--- a/cache/af23762e-2bfd-4a1d-aada-20fa8de9ce07/Forests.pptx
+++ b/cache/af23762e-2bfd-4a1d-aada-20fa8de9ce07/Forests.pptx
@@ -308,7 +308,7 @@
             <a:pPr algn="r">
               <a:buNone/>
             </a:pPr>
-            <a:fld id="{913ECF3A-7B15-4535-AEEB-9BCBE94384A2}" type="slidenum">
+            <a:fld id="{C515C2F8-4244-4E4A-ACFB-AB1CADE8C755}" type="slidenum">
               <a:rPr b="0" lang="en-HK" sz="1400" spc="-1" strike="noStrike">
                 <a:latin typeface="Times New Roman"/>
               </a:rPr>
@@ -461,7 +461,7 @@
               </a:lnSpc>
               <a:buNone/>
             </a:pPr>
-            <a:fld id="{8C3A685B-A777-49FA-BAB1-1C79DF7F5137}" type="slidenum">
+            <a:fld id="{E935F179-2BEF-4DB2-AE81-AAAC87DC5393}" type="slidenum">
               <a:rPr b="0" lang="en-GB" sz="1200" spc="-1" strike="noStrike">
                 <a:solidFill>
                   <a:srgbClr val="000000"/>
@@ -617,7 +617,7 @@
               </a:lnSpc>
               <a:buNone/>
             </a:pPr>
-            <a:fld id="{7E042641-1526-4453-AF05-CDA9841212EF}" type="slidenum">
+            <a:fld id="{F8D983AA-740D-4A73-A00D-0FE47692A657}" type="slidenum">
               <a:rPr b="0" lang="en-GB" sz="1200" spc="-1" strike="noStrike">
                 <a:solidFill>
                   <a:srgbClr val="000000"/>
@@ -773,7 +773,7 @@
               </a:lnSpc>
               <a:buNone/>
             </a:pPr>
-            <a:fld id="{C7B380AB-369A-4FBD-86C5-E9A0AC311B42}" type="slidenum">
+            <a:fld id="{A1A67860-C316-43B6-9612-15AD834D3E1F}" type="slidenum">
               <a:rPr b="0" lang="en-GB" sz="1200" spc="-1" strike="noStrike">
                 <a:solidFill>
                   <a:srgbClr val="000000"/>
@@ -845,7 +845,7 @@
         <p:txBody>
           <a:bodyPr/>
           <a:p>
-            <a:fld id="{8AD9DC51-D348-40C0-9322-E94111F5B3B6}" type="slidenum">
+            <a:fld id="{8B78B2F4-60E7-4763-A661-7DC3FF6E3BEE}" type="slidenum">
               <a:t>&lt;#&gt;</a:t>
             </a:fld>
           </a:p>
@@ -1039,7 +1039,7 @@
         <p:txBody>
           <a:bodyPr/>
           <a:p>
-            <a:fld id="{D02B858F-16FA-413D-AC17-164FF2FB3365}" type="slidenum">
+            <a:fld id="{EE9CB0AE-8D85-4651-BB32-426577B5D9DC}" type="slidenum">
               <a:t>&lt;#&gt;</a:t>
             </a:fld>
           </a:p>
@@ -1307,7 +1307,7 @@
         <p:txBody>
           <a:bodyPr/>
           <a:p>
-            <a:fld id="{BA222F3A-C9C7-4FA4-AF47-E05844CBE7DB}" type="slidenum">
+            <a:fld id="{5D40EB3D-6650-44AF-B754-BBA7CC9F7754}" type="slidenum">
               <a:t>&lt;#&gt;</a:t>
             </a:fld>
           </a:p>
@@ -1649,7 +1649,7 @@
         <p:txBody>
           <a:bodyPr/>
           <a:p>
-            <a:fld id="{7B8D2EEA-B842-4DE0-A4C6-0B1334C476E8}" type="slidenum">
+            <a:fld id="{A355E83E-4F9A-46B4-8E61-278DBDF9684B}" type="slidenum">
               <a:t>&lt;#&gt;</a:t>
             </a:fld>
           </a:p>
@@ -1732,7 +1732,7 @@
         <p:txBody>
           <a:bodyPr/>
           <a:p>
-            <a:fld id="{2CD84CE5-31A0-4127-A9E4-F19521249358}" type="slidenum">
+            <a:fld id="{9C3A1D25-DF21-4A8B-9A33-83F916ECD9D2}" type="slidenum">
               <a:t>&lt;#&gt;</a:t>
             </a:fld>
           </a:p>
@@ -1889,7 +1889,7 @@
         <p:txBody>
           <a:bodyPr/>
           <a:p>
-            <a:fld id="{CD8A2A08-9EB6-4EB9-BCD3-8672AC444CE2}" type="slidenum">
+            <a:fld id="{1BBDE8F3-22F0-4F20-8A0B-427D3BF4BC91}" type="slidenum">
               <a:t>&lt;#&gt;</a:t>
             </a:fld>
           </a:p>
@@ -2046,7 +2046,7 @@
         <p:txBody>
           <a:bodyPr/>
           <a:p>
-            <a:fld id="{5890B22C-B7F3-4521-AD14-3756DF12ED6A}" type="slidenum">
+            <a:fld id="{A6BBD44E-0D7B-410D-9C6D-05CD31CA216A}" type="slidenum">
               <a:t>&lt;#&gt;</a:t>
             </a:fld>
           </a:p>
@@ -2240,7 +2240,7 @@
         <p:txBody>
           <a:bodyPr/>
           <a:p>
-            <a:fld id="{8D318DD8-6021-49FC-A032-F4CB3CC3B66E}" type="slidenum">
+            <a:fld id="{3D8B3BC6-E141-42BC-A37A-7A7A9B27DA4E}" type="slidenum">
               <a:t>&lt;#&gt;</a:t>
             </a:fld>
           </a:p>
@@ -2360,7 +2360,7 @@
         <p:txBody>
           <a:bodyPr/>
           <a:p>
-            <a:fld id="{A0BDA8F5-0F9C-460A-84D2-5D97251A3592}" type="slidenum">
+            <a:fld id="{E1967295-E63E-46BD-9943-515E6D83ED6B}" type="slidenum">
               <a:t>&lt;#&gt;</a:t>
             </a:fld>
           </a:p>
@@ -2480,7 +2480,7 @@
         <p:txBody>
           <a:bodyPr/>
           <a:p>
-            <a:fld id="{A5FBE2F2-C231-43E5-8634-6D5B83DB5DCE}" type="slidenum">
+            <a:fld id="{DFA5C272-51B8-4CF9-8729-AFC1738BEB44}" type="slidenum">
               <a:t>&lt;#&gt;</a:t>
             </a:fld>
           </a:p>
@@ -2711,7 +2711,7 @@
         <p:txBody>
           <a:bodyPr/>
           <a:p>
-            <a:fld id="{F234888B-CF4C-4687-AA21-B2E1D7C31104}" type="slidenum">
+            <a:fld id="{335B0CB6-3EB7-49A5-B339-ECBD5994389E}" type="slidenum">
               <a:t>&lt;#&gt;</a:t>
             </a:fld>
           </a:p>
@@ -2868,7 +2868,7 @@
         <p:txBody>
           <a:bodyPr/>
           <a:p>
-            <a:fld id="{1459B9EF-676A-4554-9AF6-A55CBD480AF3}" type="slidenum">
+            <a:fld id="{692C83CF-7FD0-4B12-8655-BF76E5B8943D}" type="slidenum">
               <a:t>&lt;#&gt;</a:t>
             </a:fld>
           </a:p>
@@ -3099,7 +3099,7 @@
         <p:txBody>
           <a:bodyPr/>
           <a:p>
-            <a:fld id="{D8B267AE-B57C-4DC3-AE20-1914E156616E}" type="slidenum">
+            <a:fld id="{6241E854-F198-4943-841D-B07E678E574F}" type="slidenum">
               <a:t>&lt;#&gt;</a:t>
             </a:fld>
           </a:p>
@@ -3330,7 +3330,7 @@
         <p:txBody>
           <a:bodyPr/>
           <a:p>
-            <a:fld id="{9CAF0365-C296-44CA-A235-04A613EEFB57}" type="slidenum">
+            <a:fld id="{8A44B30E-6575-4546-A975-694CE01A1D81}" type="slidenum">
               <a:t>&lt;#&gt;</a:t>
             </a:fld>
           </a:p>
@@ -3524,7 +3524,7 @@
         <p:txBody>
           <a:bodyPr/>
           <a:p>
-            <a:fld id="{205B71F8-955F-498A-9638-3A0E41E7C622}" type="slidenum">
+            <a:fld id="{ABEA6545-0EE3-4B4E-935E-315B3686D06A}" type="slidenum">
               <a:t>&lt;#&gt;</a:t>
             </a:fld>
           </a:p>
@@ -3792,7 +3792,7 @@
         <p:txBody>
           <a:bodyPr/>
           <a:p>
-            <a:fld id="{8991ACEA-CBF6-482E-96DC-0E26D3B46B66}" type="slidenum">
+            <a:fld id="{40263402-6565-4CB5-9939-AFE512D1D644}" type="slidenum">
               <a:t>&lt;#&gt;</a:t>
             </a:fld>
           </a:p>
@@ -4134,7 +4134,7 @@
         <p:txBody>
           <a:bodyPr/>
           <a:p>
-            <a:fld id="{72CE4F3D-BBC5-496F-8078-D1CB38EA62AC}" type="slidenum">
+            <a:fld id="{1CFF8CC6-B2D2-4F3B-ABFB-DC5874460308}" type="slidenum">
               <a:t>&lt;#&gt;</a:t>
             </a:fld>
           </a:p>
@@ -4291,7 +4291,7 @@
         <p:txBody>
           <a:bodyPr/>
           <a:p>
-            <a:fld id="{CCE022F2-7145-4CCF-8333-78316971476F}" type="slidenum">
+            <a:fld id="{F1891186-A473-45C6-9042-F2E1C90464F5}" type="slidenum">
               <a:t>&lt;#&gt;</a:t>
             </a:fld>
           </a:p>
@@ -4485,7 +4485,7 @@
         <p:txBody>
           <a:bodyPr/>
           <a:p>
-            <a:fld id="{3706ABC2-5E04-41EA-9AD1-473C0DC7E530}" type="slidenum">
+            <a:fld id="{11278E4A-CC62-4E21-BD4E-4A68C501F7BB}" type="slidenum">
               <a:t>&lt;#&gt;</a:t>
             </a:fld>
           </a:p>
@@ -4605,7 +4605,7 @@
         <p:txBody>
           <a:bodyPr/>
           <a:p>
-            <a:fld id="{AEA60C0E-9B73-4D18-8EC2-C47A92E30669}" type="slidenum">
+            <a:fld id="{089141E5-4ABE-4534-A0F6-3ECDB172E67B}" type="slidenum">
               <a:t>&lt;#&gt;</a:t>
             </a:fld>
           </a:p>
@@ -4725,7 +4725,7 @@
         <p:txBody>
           <a:bodyPr/>
           <a:p>
-            <a:fld id="{EA5EAA4F-7E2E-4356-A486-0159AC27AAA9}" type="slidenum">
+            <a:fld id="{43E1CE6A-DFBE-4BBB-8350-C55F5055D4AC}" type="slidenum">
               <a:t>&lt;#&gt;</a:t>
             </a:fld>
           </a:p>
@@ -4956,7 +4956,7 @@
         <p:txBody>
           <a:bodyPr/>
           <a:p>
-            <a:fld id="{8795F060-B13F-4095-88D7-F9F3F7D5D6EA}" type="slidenum">
+            <a:fld id="{8743898A-4CDC-4EA7-B109-E108A8C5D759}" type="slidenum">
               <a:t>&lt;#&gt;</a:t>
             </a:fld>
           </a:p>
@@ -5187,7 +5187,7 @@
         <p:txBody>
           <a:bodyPr/>
           <a:p>
-            <a:fld id="{FDFCF65A-FED9-4C58-951E-F3A17B826AD8}" type="slidenum">
+            <a:fld id="{2DE3CF9A-EBCD-4B18-B586-C4D46F909A7F}" type="slidenum">
               <a:t>&lt;#&gt;</a:t>
             </a:fld>
           </a:p>
@@ -5418,7 +5418,7 @@
         <p:txBody>
           <a:bodyPr/>
           <a:p>
-            <a:fld id="{DC899A2A-1D3A-4ED4-9A8B-3423C85477B9}" type="slidenum">
+            <a:fld id="{503B1B3B-8C8C-42B0-9198-7FB19749944F}" type="slidenum">
               <a:t>&lt;#&gt;</a:t>
             </a:fld>
           </a:p>
@@ -5515,16 +5515,7 @@
                 </a:solidFill>
                 <a:latin typeface="Calibri"/>
               </a:rPr>
-              <a:t>Click to edit Master </a:t>
-            </a:r>
-            <a:r>
-              <a:rPr b="0" lang="en-US" sz="4400" spc="-1" strike="noStrike">
-                <a:solidFill>
-                  <a:srgbClr val="000000"/>
-                </a:solidFill>
-                <a:latin typeface="Calibri"/>
-              </a:rPr>
-              <a:t>title style</a:t>
+              <a:t>Click to edit Master title style</a:t>
             </a:r>
             <a:endParaRPr b="0" lang="en-US" sz="4400" spc="-1" strike="noStrike">
               <a:solidFill>
@@ -5590,7 +5581,7 @@
                 </a:solidFill>
                 <a:latin typeface="Calibri"/>
               </a:rPr>
-              <a:t> </a:t>
+              <a:t>&lt;date/time&gt;</a:t>
             </a:r>
             <a:endParaRPr b="0" lang="en-HK" sz="1200" spc="-1" strike="noStrike">
               <a:latin typeface="Times New Roman"/>
@@ -5641,7 +5632,7 @@
               <a:rPr b="0" lang="en-HK" sz="1400" spc="-1" strike="noStrike">
                 <a:latin typeface="Times New Roman"/>
               </a:rPr>
-              <a:t> </a:t>
+              <a:t>&lt;footer&gt;</a:t>
             </a:r>
             <a:endParaRPr b="0" lang="en-HK" sz="1400" spc="-1" strike="noStrike">
               <a:latin typeface="Times New Roman"/>
@@ -5697,14 +5688,14 @@
               </a:lnSpc>
               <a:buNone/>
             </a:pPr>
-            <a:fld id="{CA4A338E-EFE5-4A78-BBB4-79614B877807}" type="slidenum">
+            <a:fld id="{7D670528-47D5-420E-B9A9-8FDDAAFCFB21}" type="slidenum">
               <a:rPr b="0" lang="en-GB" sz="1200" spc="-1" strike="noStrike">
                 <a:solidFill>
                   <a:srgbClr val="8b8b8b"/>
                 </a:solidFill>
                 <a:latin typeface="Calibri"/>
               </a:rPr>
-              <a:t>13</a:t>
+              <a:t>&lt;number&gt;</a:t>
             </a:fld>
             <a:endParaRPr b="0" lang="en-HK" sz="1200" spc="-1" strike="noStrike">
               <a:latin typeface="Times New Roman"/>
@@ -6374,7 +6365,7 @@
               </a:lnSpc>
               <a:buNone/>
             </a:pPr>
-            <a:fld id="{ABD81CC9-6FBC-4E4C-A3C2-9E86B179F9F4}" type="slidenum">
+            <a:fld id="{415387C2-608B-4523-9EA8-7A9A711ED1B8}" type="slidenum">
               <a:rPr b="0" lang="en-GB" sz="1200" spc="-1" strike="noStrike">
                 <a:solidFill>
                   <a:srgbClr val="8b8b8b"/>

--- a/cache/af23762e-2bfd-4a1d-aada-20fa8de9ce07/Forests.pptx
+++ b/cache/af23762e-2bfd-4a1d-aada-20fa8de9ce07/Forests.pptx
@@ -308,7 +308,7 @@
             <a:pPr algn="r">
               <a:buNone/>
             </a:pPr>
-            <a:fld id="{C515C2F8-4244-4E4A-ACFB-AB1CADE8C755}" type="slidenum">
+            <a:fld id="{539A79B3-9D7C-4362-B254-5EA340899FDF}" type="slidenum">
               <a:rPr b="0" lang="en-HK" sz="1400" spc="-1" strike="noStrike">
                 <a:latin typeface="Times New Roman"/>
               </a:rPr>
@@ -461,7 +461,7 @@
               </a:lnSpc>
               <a:buNone/>
             </a:pPr>
-            <a:fld id="{E935F179-2BEF-4DB2-AE81-AAAC87DC5393}" type="slidenum">
+            <a:fld id="{A0880769-DB9E-4504-BA92-F457A453A353}" type="slidenum">
               <a:rPr b="0" lang="en-GB" sz="1200" spc="-1" strike="noStrike">
                 <a:solidFill>
                   <a:srgbClr val="000000"/>
@@ -617,7 +617,7 @@
               </a:lnSpc>
               <a:buNone/>
             </a:pPr>
-            <a:fld id="{F8D983AA-740D-4A73-A00D-0FE47692A657}" type="slidenum">
+            <a:fld id="{BC21368F-2249-4BC7-8A06-BE799BE2FE21}" type="slidenum">
               <a:rPr b="0" lang="en-GB" sz="1200" spc="-1" strike="noStrike">
                 <a:solidFill>
                   <a:srgbClr val="000000"/>
@@ -773,7 +773,7 @@
               </a:lnSpc>
               <a:buNone/>
             </a:pPr>
-            <a:fld id="{A1A67860-C316-43B6-9612-15AD834D3E1F}" type="slidenum">
+            <a:fld id="{3E32A1B7-7619-494E-A2CF-6599E8F61463}" type="slidenum">
               <a:rPr b="0" lang="en-GB" sz="1200" spc="-1" strike="noStrike">
                 <a:solidFill>
                   <a:srgbClr val="000000"/>
@@ -845,7 +845,7 @@
         <p:txBody>
           <a:bodyPr/>
           <a:p>
-            <a:fld id="{8B78B2F4-60E7-4763-A661-7DC3FF6E3BEE}" type="slidenum">
+            <a:fld id="{43CBCD40-7CD9-4E21-8BCA-0CEB78C6D16B}" type="slidenum">
               <a:t>&lt;#&gt;</a:t>
             </a:fld>
           </a:p>
@@ -1039,7 +1039,7 @@
         <p:txBody>
           <a:bodyPr/>
           <a:p>
-            <a:fld id="{EE9CB0AE-8D85-4651-BB32-426577B5D9DC}" type="slidenum">
+            <a:fld id="{A899ED47-0732-4CB2-A232-5B8DEE160934}" type="slidenum">
               <a:t>&lt;#&gt;</a:t>
             </a:fld>
           </a:p>
@@ -1307,7 +1307,7 @@
         <p:txBody>
           <a:bodyPr/>
           <a:p>
-            <a:fld id="{5D40EB3D-6650-44AF-B754-BBA7CC9F7754}" type="slidenum">
+            <a:fld id="{47CB9FE7-2382-4764-AEF5-690124398DA3}" type="slidenum">
               <a:t>&lt;#&gt;</a:t>
             </a:fld>
           </a:p>
@@ -1649,7 +1649,7 @@
         <p:txBody>
           <a:bodyPr/>
           <a:p>
-            <a:fld id="{A355E83E-4F9A-46B4-8E61-278DBDF9684B}" type="slidenum">
+            <a:fld id="{E59B34ED-820F-48FA-8B95-AC02E0830C84}" type="slidenum">
               <a:t>&lt;#&gt;</a:t>
             </a:fld>
           </a:p>
@@ -1732,7 +1732,7 @@
         <p:txBody>
           <a:bodyPr/>
           <a:p>
-            <a:fld id="{9C3A1D25-DF21-4A8B-9A33-83F916ECD9D2}" type="slidenum">
+            <a:fld id="{E849F77C-B9E1-46C0-A399-D3F645D2A43D}" type="slidenum">
               <a:t>&lt;#&gt;</a:t>
             </a:fld>
           </a:p>
@@ -1889,7 +1889,7 @@
         <p:txBody>
           <a:bodyPr/>
           <a:p>
-            <a:fld id="{1BBDE8F3-22F0-4F20-8A0B-427D3BF4BC91}" type="slidenum">
+            <a:fld id="{2DDDAF96-33E0-4FB7-BFF5-1DD1E026A78C}" type="slidenum">
               <a:t>&lt;#&gt;</a:t>
             </a:fld>
           </a:p>
@@ -2046,7 +2046,7 @@
         <p:txBody>
           <a:bodyPr/>
           <a:p>
-            <a:fld id="{A6BBD44E-0D7B-410D-9C6D-05CD31CA216A}" type="slidenum">
+            <a:fld id="{8EF948E5-2FAA-4EF6-B210-BA72C62EC7F3}" type="slidenum">
               <a:t>&lt;#&gt;</a:t>
             </a:fld>
           </a:p>
@@ -2240,7 +2240,7 @@
         <p:txBody>
           <a:bodyPr/>
           <a:p>
-            <a:fld id="{3D8B3BC6-E141-42BC-A37A-7A7A9B27DA4E}" type="slidenum">
+            <a:fld id="{8DC1F45A-50A1-4F8F-89E7-7A1809C21CB9}" type="slidenum">
               <a:t>&lt;#&gt;</a:t>
             </a:fld>
           </a:p>
@@ -2360,7 +2360,7 @@
         <p:txBody>
           <a:bodyPr/>
           <a:p>
-            <a:fld id="{E1967295-E63E-46BD-9943-515E6D83ED6B}" type="slidenum">
+            <a:fld id="{2D0C36F4-F5F2-4564-832D-B8CBC3B7C5B7}" type="slidenum">
               <a:t>&lt;#&gt;</a:t>
             </a:fld>
           </a:p>
@@ -2480,7 +2480,7 @@
         <p:txBody>
           <a:bodyPr/>
           <a:p>
-            <a:fld id="{DFA5C272-51B8-4CF9-8729-AFC1738BEB44}" type="slidenum">
+            <a:fld id="{41E62E68-6EFE-4377-AA73-466207380CDE}" type="slidenum">
               <a:t>&lt;#&gt;</a:t>
             </a:fld>
           </a:p>
@@ -2711,7 +2711,7 @@
         <p:txBody>
           <a:bodyPr/>
           <a:p>
-            <a:fld id="{335B0CB6-3EB7-49A5-B339-ECBD5994389E}" type="slidenum">
+            <a:fld id="{F57503F2-55FC-4AB6-9903-FA0140C9BFF0}" type="slidenum">
               <a:t>&lt;#&gt;</a:t>
             </a:fld>
           </a:p>
@@ -2868,7 +2868,7 @@
         <p:txBody>
           <a:bodyPr/>
           <a:p>
-            <a:fld id="{692C83CF-7FD0-4B12-8655-BF76E5B8943D}" type="slidenum">
+            <a:fld id="{8096743C-9304-4A2A-A587-EC853C520381}" type="slidenum">
               <a:t>&lt;#&gt;</a:t>
             </a:fld>
           </a:p>
@@ -3099,7 +3099,7 @@
         <p:txBody>
           <a:bodyPr/>
           <a:p>
-            <a:fld id="{6241E854-F198-4943-841D-B07E678E574F}" type="slidenum">
+            <a:fld id="{70056F38-8236-4304-AAE9-C007847FAE1D}" type="slidenum">
               <a:t>&lt;#&gt;</a:t>
             </a:fld>
           </a:p>
@@ -3330,7 +3330,7 @@
         <p:txBody>
           <a:bodyPr/>
           <a:p>
-            <a:fld id="{8A44B30E-6575-4546-A975-694CE01A1D81}" type="slidenum">
+            <a:fld id="{F7B64CE5-7238-4364-BFD8-303E434B6E09}" type="slidenum">
               <a:t>&lt;#&gt;</a:t>
             </a:fld>
           </a:p>
@@ -3524,7 +3524,7 @@
         <p:txBody>
           <a:bodyPr/>
           <a:p>
-            <a:fld id="{ABEA6545-0EE3-4B4E-935E-315B3686D06A}" type="slidenum">
+            <a:fld id="{9550818D-673C-40E1-A2AF-1D369AF30FCD}" type="slidenum">
               <a:t>&lt;#&gt;</a:t>
             </a:fld>
           </a:p>
@@ -3792,7 +3792,7 @@
         <p:txBody>
           <a:bodyPr/>
           <a:p>
-            <a:fld id="{40263402-6565-4CB5-9939-AFE512D1D644}" type="slidenum">
+            <a:fld id="{1FD5BD64-D45C-4598-83F3-3A3284487C51}" type="slidenum">
               <a:t>&lt;#&gt;</a:t>
             </a:fld>
           </a:p>
@@ -4134,7 +4134,7 @@
         <p:txBody>
           <a:bodyPr/>
           <a:p>
-            <a:fld id="{1CFF8CC6-B2D2-4F3B-ABFB-DC5874460308}" type="slidenum">
+            <a:fld id="{04BA607A-ED08-4A7A-A92C-89E9D4D65560}" type="slidenum">
               <a:t>&lt;#&gt;</a:t>
             </a:fld>
           </a:p>
@@ -4291,7 +4291,7 @@
         <p:txBody>
           <a:bodyPr/>
           <a:p>
-            <a:fld id="{F1891186-A473-45C6-9042-F2E1C90464F5}" type="slidenum">
+            <a:fld id="{B5EFD55B-3811-4FB9-94F0-242D4866571C}" type="slidenum">
               <a:t>&lt;#&gt;</a:t>
             </a:fld>
           </a:p>
@@ -4485,7 +4485,7 @@
         <p:txBody>
           <a:bodyPr/>
           <a:p>
-            <a:fld id="{11278E4A-CC62-4E21-BD4E-4A68C501F7BB}" type="slidenum">
+            <a:fld id="{F7049F35-0D02-4183-892A-8BCAB9F9C231}" type="slidenum">
               <a:t>&lt;#&gt;</a:t>
             </a:fld>
           </a:p>
@@ -4605,7 +4605,7 @@
         <p:txBody>
           <a:bodyPr/>
           <a:p>
-            <a:fld id="{089141E5-4ABE-4534-A0F6-3ECDB172E67B}" type="slidenum">
+            <a:fld id="{72B37E54-7567-4B13-A967-0D9F2C2272E6}" type="slidenum">
               <a:t>&lt;#&gt;</a:t>
             </a:fld>
           </a:p>
@@ -4725,7 +4725,7 @@
         <p:txBody>
           <a:bodyPr/>
           <a:p>
-            <a:fld id="{43E1CE6A-DFBE-4BBB-8350-C55F5055D4AC}" type="slidenum">
+            <a:fld id="{BF33F352-9CA1-4101-AE23-58EBCB3691AC}" type="slidenum">
               <a:t>&lt;#&gt;</a:t>
             </a:fld>
           </a:p>
@@ -4956,7 +4956,7 @@
         <p:txBody>
           <a:bodyPr/>
           <a:p>
-            <a:fld id="{8743898A-4CDC-4EA7-B109-E108A8C5D759}" type="slidenum">
+            <a:fld id="{A01531EB-ED9E-4A2B-97BE-D448CD6D944E}" type="slidenum">
               <a:t>&lt;#&gt;</a:t>
             </a:fld>
           </a:p>
@@ -5187,7 +5187,7 @@
         <p:txBody>
           <a:bodyPr/>
           <a:p>
-            <a:fld id="{2DE3CF9A-EBCD-4B18-B586-C4D46F909A7F}" type="slidenum">
+            <a:fld id="{1A91D7DD-54F9-42BA-83DE-13BC8BF5C497}" type="slidenum">
               <a:t>&lt;#&gt;</a:t>
             </a:fld>
           </a:p>
@@ -5418,7 +5418,7 @@
         <p:txBody>
           <a:bodyPr/>
           <a:p>
-            <a:fld id="{503B1B3B-8C8C-42B0-9198-7FB19749944F}" type="slidenum">
+            <a:fld id="{1174D26E-6C06-422A-BBAE-16FE99279BBB}" type="slidenum">
               <a:t>&lt;#&gt;</a:t>
             </a:fld>
           </a:p>
@@ -5688,7 +5688,7 @@
               </a:lnSpc>
               <a:buNone/>
             </a:pPr>
-            <a:fld id="{7D670528-47D5-420E-B9A9-8FDDAAFCFB21}" type="slidenum">
+            <a:fld id="{5469EBAC-DFAA-415D-8E59-9F806DA1D9B2}" type="slidenum">
               <a:rPr b="0" lang="en-GB" sz="1200" spc="-1" strike="noStrike">
                 <a:solidFill>
                   <a:srgbClr val="8b8b8b"/>
@@ -6365,7 +6365,7 @@
               </a:lnSpc>
               <a:buNone/>
             </a:pPr>
-            <a:fld id="{415387C2-608B-4523-9EA8-7A9A711ED1B8}" type="slidenum">
+            <a:fld id="{D8A7D7E8-00B6-4CA1-8F69-9A8D3CEC304B}" type="slidenum">
               <a:rPr b="0" lang="en-GB" sz="1200" spc="-1" strike="noStrike">
                 <a:solidFill>
                   <a:srgbClr val="8b8b8b"/>
